--- a/recomb_method_diagram.pptx
+++ b/recomb_method_diagram.pptx
@@ -21,6 +21,7 @@
     <p:sldId id="278" r:id="rId15"/>
     <p:sldId id="279" r:id="rId16"/>
     <p:sldId id="280" r:id="rId17"/>
+    <p:sldId id="281" r:id="rId18"/>
   </p:sldIdLst>
   <p:sldSz cx="12192000" cy="6858000"/>
   <p:notesSz cx="6858000" cy="9144000"/>
@@ -269,7 +270,7 @@
           <a:p>
             <a:fld id="{FED5DC36-5F7F-E343-BCB9-21E024811DC2}" type="datetimeFigureOut">
               <a:rPr lang="en-US" smtClean="0"/>
-              <a:t>8/7/18</a:t>
+              <a:t>8/16/18</a:t>
             </a:fld>
             <a:endParaRPr lang="en-US"/>
           </a:p>
@@ -439,7 +440,7 @@
           <a:p>
             <a:fld id="{FED5DC36-5F7F-E343-BCB9-21E024811DC2}" type="datetimeFigureOut">
               <a:rPr lang="en-US" smtClean="0"/>
-              <a:t>8/7/18</a:t>
+              <a:t>8/16/18</a:t>
             </a:fld>
             <a:endParaRPr lang="en-US"/>
           </a:p>
@@ -619,7 +620,7 @@
           <a:p>
             <a:fld id="{FED5DC36-5F7F-E343-BCB9-21E024811DC2}" type="datetimeFigureOut">
               <a:rPr lang="en-US" smtClean="0"/>
-              <a:t>8/7/18</a:t>
+              <a:t>8/16/18</a:t>
             </a:fld>
             <a:endParaRPr lang="en-US"/>
           </a:p>
@@ -789,7 +790,7 @@
           <a:p>
             <a:fld id="{FED5DC36-5F7F-E343-BCB9-21E024811DC2}" type="datetimeFigureOut">
               <a:rPr lang="en-US" smtClean="0"/>
-              <a:t>8/7/18</a:t>
+              <a:t>8/16/18</a:t>
             </a:fld>
             <a:endParaRPr lang="en-US"/>
           </a:p>
@@ -1035,7 +1036,7 @@
           <a:p>
             <a:fld id="{FED5DC36-5F7F-E343-BCB9-21E024811DC2}" type="datetimeFigureOut">
               <a:rPr lang="en-US" smtClean="0"/>
-              <a:t>8/7/18</a:t>
+              <a:t>8/16/18</a:t>
             </a:fld>
             <a:endParaRPr lang="en-US"/>
           </a:p>
@@ -1267,7 +1268,7 @@
           <a:p>
             <a:fld id="{FED5DC36-5F7F-E343-BCB9-21E024811DC2}" type="datetimeFigureOut">
               <a:rPr lang="en-US" smtClean="0"/>
-              <a:t>8/7/18</a:t>
+              <a:t>8/16/18</a:t>
             </a:fld>
             <a:endParaRPr lang="en-US"/>
           </a:p>
@@ -1634,7 +1635,7 @@
           <a:p>
             <a:fld id="{FED5DC36-5F7F-E343-BCB9-21E024811DC2}" type="datetimeFigureOut">
               <a:rPr lang="en-US" smtClean="0"/>
-              <a:t>8/7/18</a:t>
+              <a:t>8/16/18</a:t>
             </a:fld>
             <a:endParaRPr lang="en-US"/>
           </a:p>
@@ -1752,7 +1753,7 @@
           <a:p>
             <a:fld id="{FED5DC36-5F7F-E343-BCB9-21E024811DC2}" type="datetimeFigureOut">
               <a:rPr lang="en-US" smtClean="0"/>
-              <a:t>8/7/18</a:t>
+              <a:t>8/16/18</a:t>
             </a:fld>
             <a:endParaRPr lang="en-US"/>
           </a:p>
@@ -1847,7 +1848,7 @@
           <a:p>
             <a:fld id="{FED5DC36-5F7F-E343-BCB9-21E024811DC2}" type="datetimeFigureOut">
               <a:rPr lang="en-US" smtClean="0"/>
-              <a:t>8/7/18</a:t>
+              <a:t>8/16/18</a:t>
             </a:fld>
             <a:endParaRPr lang="en-US"/>
           </a:p>
@@ -2124,7 +2125,7 @@
           <a:p>
             <a:fld id="{FED5DC36-5F7F-E343-BCB9-21E024811DC2}" type="datetimeFigureOut">
               <a:rPr lang="en-US" smtClean="0"/>
-              <a:t>8/7/18</a:t>
+              <a:t>8/16/18</a:t>
             </a:fld>
             <a:endParaRPr lang="en-US"/>
           </a:p>
@@ -2377,7 +2378,7 @@
           <a:p>
             <a:fld id="{FED5DC36-5F7F-E343-BCB9-21E024811DC2}" type="datetimeFigureOut">
               <a:rPr lang="en-US" smtClean="0"/>
-              <a:t>8/7/18</a:t>
+              <a:t>8/16/18</a:t>
             </a:fld>
             <a:endParaRPr lang="en-US"/>
           </a:p>
@@ -2590,7 +2591,7 @@
           <a:p>
             <a:fld id="{FED5DC36-5F7F-E343-BCB9-21E024811DC2}" type="datetimeFigureOut">
               <a:rPr lang="en-US" smtClean="0"/>
-              <a:t>8/7/18</a:t>
+              <a:t>8/16/18</a:t>
             </a:fld>
             <a:endParaRPr lang="en-US"/>
           </a:p>
@@ -3418,23 +3419,7 @@
                   <a:srgbClr val="FF0000"/>
                 </a:solidFill>
               </a:rPr>
-              <a:t>kb </a:t>
-            </a:r>
-            <a:r>
-              <a:rPr lang="en-US" dirty="0" smtClean="0">
-                <a:solidFill>
-                  <a:srgbClr val="FF0000"/>
-                </a:solidFill>
-              </a:rPr>
-              <a:t>windows moving away from </a:t>
-            </a:r>
-            <a:r>
-              <a:rPr lang="en-US" dirty="0" smtClean="0">
-                <a:solidFill>
-                  <a:srgbClr val="FF0000"/>
-                </a:solidFill>
-              </a:rPr>
-              <a:t>exons</a:t>
+              <a:t>kb windows moving away from exons</a:t>
             </a:r>
             <a:endParaRPr lang="en-US" dirty="0">
               <a:solidFill>
@@ -3941,23 +3926,7 @@
                   <a:srgbClr val="FF0000"/>
                 </a:solidFill>
               </a:rPr>
-              <a:t>kb </a:t>
-            </a:r>
-            <a:r>
-              <a:rPr lang="en-US" dirty="0" smtClean="0">
-                <a:solidFill>
-                  <a:srgbClr val="FF0000"/>
-                </a:solidFill>
-              </a:rPr>
-              <a:t>windows moving away from </a:t>
-            </a:r>
-            <a:r>
-              <a:rPr lang="en-US" dirty="0" smtClean="0">
-                <a:solidFill>
-                  <a:srgbClr val="FF0000"/>
-                </a:solidFill>
-              </a:rPr>
-              <a:t>exons</a:t>
+              <a:t>kb windows moving away from exons</a:t>
             </a:r>
             <a:endParaRPr lang="en-US" dirty="0">
               <a:solidFill>
@@ -4574,23 +4543,7 @@
                   <a:srgbClr val="FF0000"/>
                 </a:solidFill>
               </a:rPr>
-              <a:t>kb </a:t>
-            </a:r>
-            <a:r>
-              <a:rPr lang="en-US" dirty="0" smtClean="0">
-                <a:solidFill>
-                  <a:srgbClr val="FF0000"/>
-                </a:solidFill>
-              </a:rPr>
-              <a:t>windows moving away from </a:t>
-            </a:r>
-            <a:r>
-              <a:rPr lang="en-US" dirty="0" smtClean="0">
-                <a:solidFill>
-                  <a:srgbClr val="FF0000"/>
-                </a:solidFill>
-              </a:rPr>
-              <a:t>exons</a:t>
+              <a:t>kb windows moving away from exons</a:t>
             </a:r>
             <a:endParaRPr lang="en-US" dirty="0">
               <a:solidFill>
@@ -5991,6 +5944,263 @@
       </p:par>
     </p:tnLst>
   </p:timing>
+</p:sld>
+</file>
+
+<file path=ppt/slides/slide17.xml><?xml version="1.0" encoding="utf-8"?>
+<p:sld xmlns:a="http://schemas.openxmlformats.org/drawingml/2006/main" xmlns:r="http://schemas.openxmlformats.org/officeDocument/2006/relationships" xmlns:p="http://schemas.openxmlformats.org/presentationml/2006/main">
+  <p:cSld>
+    <p:spTree>
+      <p:nvGrpSpPr>
+        <p:cNvPr id="1" name=""/>
+        <p:cNvGrpSpPr/>
+        <p:nvPr/>
+      </p:nvGrpSpPr>
+      <p:grpSpPr>
+        <a:xfrm>
+          <a:off x="0" y="0"/>
+          <a:ext cx="0" cy="0"/>
+          <a:chOff x="0" y="0"/>
+          <a:chExt cx="0" cy="0"/>
+        </a:xfrm>
+      </p:grpSpPr>
+      <p:grpSp>
+        <p:nvGrpSpPr>
+          <p:cNvPr id="6" name="Group 5"/>
+          <p:cNvGrpSpPr/>
+          <p:nvPr/>
+        </p:nvGrpSpPr>
+        <p:grpSpPr>
+          <a:xfrm>
+            <a:off x="1844841" y="3352799"/>
+            <a:ext cx="5855370" cy="1983234"/>
+            <a:chOff x="1844841" y="3352799"/>
+            <a:chExt cx="5855370" cy="1983234"/>
+          </a:xfrm>
+        </p:grpSpPr>
+        <p:pic>
+          <p:nvPicPr>
+            <p:cNvPr id="1026" name="Picture 2" descr="mage result for great tit"/>
+            <p:cNvPicPr>
+              <a:picLocks noChangeAspect="1" noChangeArrowheads="1"/>
+            </p:cNvPicPr>
+            <p:nvPr/>
+          </p:nvPicPr>
+          <p:blipFill rotWithShape="1">
+            <a:blip r:embed="rId2">
+              <a:clrChange>
+                <a:clrFrom>
+                  <a:srgbClr val="FFFFFF"/>
+                </a:clrFrom>
+                <a:clrTo>
+                  <a:srgbClr val="FFFFFF">
+                    <a:alpha val="0"/>
+                  </a:srgbClr>
+                </a:clrTo>
+              </a:clrChange>
+              <a:extLst>
+                <a:ext uri="{28A0092B-C50C-407E-A947-70E740481C1C}">
+                  <a14:useLocalDpi xmlns:a14="http://schemas.microsoft.com/office/drawing/2010/main" val="0"/>
+                </a:ext>
+              </a:extLst>
+            </a:blip>
+            <a:srcRect l="23494" t="13868"/>
+            <a:stretch/>
+          </p:blipFill>
+          <p:spPr bwMode="auto">
+            <a:xfrm>
+              <a:off x="1844841" y="3465512"/>
+              <a:ext cx="2956788" cy="1870521"/>
+            </a:xfrm>
+            <a:prstGeom prst="rect">
+              <a:avLst/>
+            </a:prstGeom>
+            <a:noFill/>
+            <a:extLst>
+              <a:ext uri="{909E8E84-426E-40DD-AFC4-6F175D3DCCD1}">
+                <a14:hiddenFill xmlns:a14="http://schemas.microsoft.com/office/drawing/2010/main">
+                  <a:solidFill>
+                    <a:srgbClr val="FFFFFF"/>
+                  </a:solidFill>
+                </a14:hiddenFill>
+              </a:ext>
+            </a:extLst>
+          </p:spPr>
+        </p:pic>
+        <p:pic>
+          <p:nvPicPr>
+            <p:cNvPr id="1028" name="Picture 4" descr="elated image"/>
+            <p:cNvPicPr>
+              <a:picLocks noChangeAspect="1" noChangeArrowheads="1"/>
+            </p:cNvPicPr>
+            <p:nvPr/>
+          </p:nvPicPr>
+          <p:blipFill rotWithShape="1">
+            <a:blip r:embed="rId3">
+              <a:clrChange>
+                <a:clrFrom>
+                  <a:srgbClr val="FFFFFF"/>
+                </a:clrFrom>
+                <a:clrTo>
+                  <a:srgbClr val="FFFFFF">
+                    <a:alpha val="0"/>
+                  </a:srgbClr>
+                </a:clrTo>
+              </a:clrChange>
+              <a:extLst>
+                <a:ext uri="{28A0092B-C50C-407E-A947-70E740481C1C}">
+                  <a14:useLocalDpi xmlns:a14="http://schemas.microsoft.com/office/drawing/2010/main" val="0"/>
+                </a:ext>
+              </a:extLst>
+            </a:blip>
+            <a:srcRect t="16335" b="12185"/>
+            <a:stretch/>
+          </p:blipFill>
+          <p:spPr bwMode="auto">
+            <a:xfrm>
+              <a:off x="5278905" y="3352799"/>
+              <a:ext cx="2421306" cy="1730749"/>
+            </a:xfrm>
+            <a:prstGeom prst="rect">
+              <a:avLst/>
+            </a:prstGeom>
+            <a:noFill/>
+            <a:extLst>
+              <a:ext uri="{909E8E84-426E-40DD-AFC4-6F175D3DCCD1}">
+                <a14:hiddenFill xmlns:a14="http://schemas.microsoft.com/office/drawing/2010/main">
+                  <a:solidFill>
+                    <a:srgbClr val="FFFFFF"/>
+                  </a:solidFill>
+                </a14:hiddenFill>
+              </a:ext>
+            </a:extLst>
+          </p:spPr>
+        </p:pic>
+        <p:pic>
+          <p:nvPicPr>
+            <p:cNvPr id="1036" name="Picture 12" descr="mage result for collared flycatcher"/>
+            <p:cNvPicPr>
+              <a:picLocks noChangeAspect="1" noChangeArrowheads="1"/>
+            </p:cNvPicPr>
+            <p:nvPr/>
+          </p:nvPicPr>
+          <p:blipFill>
+            <a:blip r:embed="rId4">
+              <a:clrChange>
+                <a:clrFrom>
+                  <a:srgbClr val="FEFEFE"/>
+                </a:clrFrom>
+                <a:clrTo>
+                  <a:srgbClr val="FEFEFE">
+                    <a:alpha val="0"/>
+                  </a:srgbClr>
+                </a:clrTo>
+              </a:clrChange>
+              <a:extLst>
+                <a:ext uri="{28A0092B-C50C-407E-A947-70E740481C1C}">
+                  <a14:useLocalDpi xmlns:a14="http://schemas.microsoft.com/office/drawing/2010/main" val="0"/>
+                </a:ext>
+              </a:extLst>
+            </a:blip>
+            <a:srcRect/>
+            <a:stretch>
+              <a:fillRect/>
+            </a:stretch>
+          </p:blipFill>
+          <p:spPr bwMode="auto">
+            <a:xfrm>
+              <a:off x="3823794" y="3600618"/>
+              <a:ext cx="1727945" cy="1251032"/>
+            </a:xfrm>
+            <a:prstGeom prst="rect">
+              <a:avLst/>
+            </a:prstGeom>
+            <a:noFill/>
+            <a:extLst>
+              <a:ext uri="{909E8E84-426E-40DD-AFC4-6F175D3DCCD1}">
+                <a14:hiddenFill xmlns:a14="http://schemas.microsoft.com/office/drawing/2010/main">
+                  <a:solidFill>
+                    <a:srgbClr val="FFFFFF"/>
+                  </a:solidFill>
+                </a14:hiddenFill>
+              </a:ext>
+            </a:extLst>
+          </p:spPr>
+        </p:pic>
+      </p:grpSp>
+      <p:grpSp>
+        <p:nvGrpSpPr>
+          <p:cNvPr id="4" name="Group 3"/>
+          <p:cNvGrpSpPr/>
+          <p:nvPr/>
+        </p:nvGrpSpPr>
+        <p:grpSpPr>
+          <a:xfrm>
+            <a:off x="257844" y="371721"/>
+            <a:ext cx="10587789" cy="3854413"/>
+            <a:chOff x="0" y="34835"/>
+            <a:chExt cx="10587789" cy="3854413"/>
+          </a:xfrm>
+        </p:grpSpPr>
+        <p:pic>
+          <p:nvPicPr>
+            <p:cNvPr id="2" name="Picture 1"/>
+            <p:cNvPicPr>
+              <a:picLocks noChangeAspect="1"/>
+            </p:cNvPicPr>
+            <p:nvPr/>
+          </p:nvPicPr>
+          <p:blipFill>
+            <a:blip r:embed="rId5"/>
+            <a:stretch>
+              <a:fillRect/>
+            </a:stretch>
+          </p:blipFill>
+          <p:spPr>
+            <a:xfrm>
+              <a:off x="0" y="34835"/>
+              <a:ext cx="7106653" cy="3081400"/>
+            </a:xfrm>
+            <a:prstGeom prst="rect">
+              <a:avLst/>
+            </a:prstGeom>
+          </p:spPr>
+        </p:pic>
+        <p:pic>
+          <p:nvPicPr>
+            <p:cNvPr id="3" name="Picture 2"/>
+            <p:cNvPicPr>
+              <a:picLocks noChangeAspect="1"/>
+            </p:cNvPicPr>
+            <p:nvPr/>
+          </p:nvPicPr>
+          <p:blipFill>
+            <a:blip r:embed="rId6"/>
+            <a:stretch>
+              <a:fillRect/>
+            </a:stretch>
+          </p:blipFill>
+          <p:spPr>
+            <a:xfrm>
+              <a:off x="2662204" y="1042735"/>
+              <a:ext cx="7925585" cy="2846513"/>
+            </a:xfrm>
+            <a:prstGeom prst="rect">
+              <a:avLst/>
+            </a:prstGeom>
+          </p:spPr>
+        </p:pic>
+      </p:grpSp>
+    </p:spTree>
+    <p:extLst>
+      <p:ext uri="{BB962C8B-B14F-4D97-AF65-F5344CB8AC3E}">
+        <p14:creationId xmlns:p14="http://schemas.microsoft.com/office/powerpoint/2010/main" val="2111233407"/>
+      </p:ext>
+    </p:extLst>
+  </p:cSld>
+  <p:clrMapOvr>
+    <a:masterClrMapping/>
+  </p:clrMapOvr>
 </p:sld>
 </file>
 
